--- a/TRI.pptx
+++ b/TRI.pptx
@@ -3741,8 +3741,8 @@
           </a:extLst>
         </p:spPr>
       </p:pic>
-      <mc:AlternateContent xmlns:mc="http://schemas.openxmlformats.org/markup-compatibility/2006">
-        <mc:Choice xmlns:a14="http://schemas.microsoft.com/office/drawing/2010/main" Requires="a14">
+      <mc:AlternateContent xmlns:mc="http://schemas.openxmlformats.org/markup-compatibility/2006" xmlns:a14="http://schemas.microsoft.com/office/drawing/2010/main">
+        <mc:Choice Requires="a14">
           <p:sp>
             <p:nvSpPr>
               <p:cNvPr id="5" name="矩形 4"/>
@@ -3782,15 +3782,7 @@
                     <a:ea typeface="標楷體" panose="03000509000000000000" pitchFamily="65" charset="-120"/>
                     <a:cs typeface="Times New Roman" panose="02020603050405020304" pitchFamily="18" charset="0"/>
                   </a:rPr>
-                  <a:t>(AIC</a:t>
-                </a:r>
-                <a:r>
-                  <a:rPr lang="en-US" altLang="zh-TW" sz="2000" dirty="0" smtClean="0">
-                    <a:latin typeface="Times New Roman" panose="02020603050405020304" pitchFamily="18" charset="0"/>
-                    <a:ea typeface="標楷體" panose="03000509000000000000" pitchFamily="65" charset="-120"/>
-                    <a:cs typeface="Times New Roman" panose="02020603050405020304" pitchFamily="18" charset="0"/>
-                  </a:rPr>
-                  <a:t>)</a:t>
+                  <a:t>(AIC)</a:t>
                 </a:r>
                 <a:endParaRPr lang="en-US" altLang="zh-TW" sz="2000" b="0" dirty="0" smtClean="0">
                   <a:latin typeface="Times New Roman" panose="02020603050405020304" pitchFamily="18" charset="0"/>
@@ -4027,6 +4019,7 @@
                 </a:endParaRPr>
               </a:p>
               <a:p>
+                <a:pPr/>
                 <a14:m>
                   <m:oMathPara xmlns:m="http://schemas.openxmlformats.org/officeDocument/2006/math">
                     <m:oMathParaPr>
@@ -4193,7 +4186,7 @@
             </p:txBody>
           </p:sp>
         </mc:Choice>
-        <mc:Fallback>
+        <mc:Fallback xmlns="">
           <p:sp>
             <p:nvSpPr>
               <p:cNvPr id="5" name="矩形 4"/>
@@ -4253,7 +4246,6 @@
           </a:bodyPr>
           <a:lstStyle/>
           <a:p>
-            <a:pPr/>
             <a:endParaRPr lang="en-US" altLang="zh-TW" i="1" dirty="0"/>
           </a:p>
         </p:txBody>
@@ -4577,8 +4569,8 @@
           </a:p>
         </p:txBody>
       </p:sp>
-      <mc:AlternateContent xmlns:mc="http://schemas.openxmlformats.org/markup-compatibility/2006">
-        <mc:Choice xmlns:a14="http://schemas.microsoft.com/office/drawing/2010/main" Requires="a14">
+      <mc:AlternateContent xmlns:mc="http://schemas.openxmlformats.org/markup-compatibility/2006" xmlns:a14="http://schemas.microsoft.com/office/drawing/2010/main">
+        <mc:Choice Requires="a14">
           <p:sp>
             <p:nvSpPr>
               <p:cNvPr id="10" name="文字方塊 9"/>
@@ -4643,27 +4635,8 @@
                     <a:ea typeface="標楷體" panose="03000509000000000000" pitchFamily="65" charset="-120"/>
                     <a:cs typeface="Times New Roman" panose="02020603050405020304" pitchFamily="18" charset="0"/>
                   </a:rPr>
-                  <a:t>38</a:t>
+                  <a:t>38-66</a:t>
                 </a:r>
-                <a:r>
-                  <a:rPr lang="en-US" altLang="zh-TW" sz="2200" dirty="0" smtClean="0">
-                    <a:solidFill>
-                      <a:srgbClr val="FF0000"/>
-                    </a:solidFill>
-                    <a:latin typeface="Times New Roman" panose="02020603050405020304" pitchFamily="18" charset="0"/>
-                    <a:ea typeface="標楷體" panose="03000509000000000000" pitchFamily="65" charset="-120"/>
-                    <a:cs typeface="Times New Roman" panose="02020603050405020304" pitchFamily="18" charset="0"/>
-                  </a:rPr>
-                  <a:t>-66</a:t>
-                </a:r>
-                <a:endParaRPr lang="en-US" altLang="zh-TW" sz="2200" dirty="0" smtClean="0">
-                  <a:solidFill>
-                    <a:srgbClr val="FF0000"/>
-                  </a:solidFill>
-                  <a:latin typeface="Times New Roman" panose="02020603050405020304" pitchFamily="18" charset="0"/>
-                  <a:ea typeface="標楷體" panose="03000509000000000000" pitchFamily="65" charset="-120"/>
-                  <a:cs typeface="Times New Roman" panose="02020603050405020304" pitchFamily="18" charset="0"/>
-                </a:endParaRPr>
               </a:p>
               <a:p>
                 <a:pPr/>
@@ -4692,25 +4665,7 @@
                           </a:solidFill>
                           <a:latin typeface="Cambria Math"/>
                         </a:rPr>
-                        <m:t>&lt;</m:t>
-                      </m:r>
-                      <m:r>
-                        <a:rPr lang="en-US" altLang="zh-TW" sz="2200" b="0" i="1" dirty="0" smtClean="0">
-                          <a:solidFill>
-                            <a:srgbClr val="FF0000"/>
-                          </a:solidFill>
-                          <a:latin typeface="Cambria Math"/>
-                        </a:rPr>
-                        <m:t>1.84</m:t>
-                      </m:r>
-                      <m:r>
-                        <a:rPr lang="en-US" altLang="zh-TW" sz="2200" b="0" i="1" dirty="0" smtClean="0">
-                          <a:solidFill>
-                            <a:srgbClr val="FF0000"/>
-                          </a:solidFill>
-                          <a:latin typeface="Cambria Math"/>
-                        </a:rPr>
-                        <m:t>%</m:t>
+                        <m:t>&lt;1.84%</m:t>
                       </m:r>
                     </m:oMath>
                   </m:oMathPara>
@@ -4781,16 +4736,7 @@
                         </a:solidFill>
                         <a:latin typeface="Cambria Math"/>
                       </a:rPr>
-                      <m:t>9</m:t>
-                    </m:r>
-                    <m:r>
-                      <a:rPr lang="en-US" altLang="zh-TW" sz="2200" b="0" i="1" dirty="0" smtClean="0">
-                        <a:solidFill>
-                          <a:srgbClr val="FF0000"/>
-                        </a:solidFill>
-                        <a:latin typeface="Cambria Math"/>
-                      </a:rPr>
-                      <m:t>8</m:t>
+                      <m:t>98</m:t>
                     </m:r>
                     <m:r>
                       <a:rPr lang="en-US" altLang="zh-TW" sz="2200" i="1" dirty="0">
@@ -5010,7 +4956,7 @@
             </p:txBody>
           </p:sp>
         </mc:Choice>
-        <mc:Fallback>
+        <mc:Fallback xmlns="">
           <p:sp>
             <p:nvSpPr>
               <p:cNvPr id="10" name="文字方塊 9"/>
@@ -5292,18 +5238,28 @@
         </p:nvSpPr>
         <p:spPr/>
         <p:txBody>
-          <a:bodyPr/>
+          <a:bodyPr>
+            <a:normAutofit/>
+          </a:bodyPr>
           <a:lstStyle/>
           <a:p>
             <a:r>
-              <a:rPr lang="zh-TW" altLang="en-US" dirty="0" smtClean="0">
+              <a:rPr lang="en-US" altLang="zh-TW" sz="3200" dirty="0" smtClean="0">
                 <a:latin typeface="Times New Roman" panose="02020603050405020304" pitchFamily="18" charset="0"/>
                 <a:ea typeface="標楷體" panose="03000509000000000000" pitchFamily="65" charset="-120"/>
                 <a:cs typeface="Times New Roman" panose="02020603050405020304" pitchFamily="18" charset="0"/>
               </a:rPr>
-              <a:t>流程介紹</a:t>
-            </a:r>
-            <a:endParaRPr lang="zh-TW" altLang="en-US" dirty="0">
+              <a:t>SPI</a:t>
+            </a:r>
+            <a:r>
+              <a:rPr lang="zh-TW" altLang="en-US" sz="3200" dirty="0" smtClean="0">
+                <a:latin typeface="Times New Roman" panose="02020603050405020304" pitchFamily="18" charset="0"/>
+                <a:ea typeface="標楷體" panose="03000509000000000000" pitchFamily="65" charset="-120"/>
+                <a:cs typeface="Times New Roman" panose="02020603050405020304" pitchFamily="18" charset="0"/>
+              </a:rPr>
+              <a:t>機台檢測流程比較分析</a:t>
+            </a:r>
+            <a:endParaRPr lang="zh-TW" altLang="en-US" sz="3200" dirty="0">
               <a:latin typeface="Times New Roman" panose="02020603050405020304" pitchFamily="18" charset="0"/>
               <a:ea typeface="標楷體" panose="03000509000000000000" pitchFamily="65" charset="-120"/>
               <a:cs typeface="Times New Roman" panose="02020603050405020304" pitchFamily="18" charset="0"/>
@@ -6683,7 +6639,7 @@
           <a:p>
             <a:pPr algn="ctr"/>
             <a:r>
-              <a:rPr lang="en-US" altLang="zh-TW" sz="1400" dirty="0" smtClean="0">
+              <a:rPr lang="en-US" altLang="zh-TW" sz="1600" dirty="0" smtClean="0">
                 <a:solidFill>
                   <a:schemeClr val="tx1"/>
                 </a:solidFill>
@@ -6693,7 +6649,7 @@
               </a:rPr>
               <a:t>2D Color</a:t>
             </a:r>
-            <a:endParaRPr lang="zh-TW" altLang="en-US" sz="1400" dirty="0">
+            <a:endParaRPr lang="zh-TW" altLang="en-US" sz="1600" dirty="0">
               <a:solidFill>
                 <a:schemeClr val="tx1"/>
               </a:solidFill>
@@ -6739,7 +6695,7 @@
           <a:p>
             <a:pPr algn="ctr"/>
             <a:r>
-              <a:rPr lang="en-US" altLang="zh-TW" sz="1400" dirty="0" smtClean="0">
+              <a:rPr lang="en-US" altLang="zh-TW" sz="1600" dirty="0" smtClean="0">
                 <a:solidFill>
                   <a:schemeClr val="tx1"/>
                 </a:solidFill>
@@ -6749,7 +6705,7 @@
               </a:rPr>
               <a:t>AI Inference</a:t>
             </a:r>
-            <a:endParaRPr lang="zh-TW" altLang="en-US" sz="1400" dirty="0">
+            <a:endParaRPr lang="zh-TW" altLang="en-US" sz="1600" dirty="0">
               <a:solidFill>
                 <a:schemeClr val="tx1"/>
               </a:solidFill>
@@ -7045,7 +7001,7 @@
           <a:p>
             <a:pPr algn="ctr"/>
             <a:r>
-              <a:rPr lang="en-US" altLang="zh-TW" sz="1400" dirty="0" smtClean="0">
+              <a:rPr lang="en-US" altLang="zh-TW" sz="1600" dirty="0" smtClean="0">
                 <a:solidFill>
                   <a:schemeClr val="tx1"/>
                 </a:solidFill>
@@ -7055,7 +7011,7 @@
               </a:rPr>
               <a:t>2D Color</a:t>
             </a:r>
-            <a:endParaRPr lang="zh-TW" altLang="en-US" sz="1400" dirty="0">
+            <a:endParaRPr lang="zh-TW" altLang="en-US" sz="1600" dirty="0">
               <a:solidFill>
                 <a:schemeClr val="tx1"/>
               </a:solidFill>
@@ -7651,18 +7607,20 @@
         </p:nvSpPr>
         <p:spPr/>
         <p:txBody>
-          <a:bodyPr/>
+          <a:bodyPr>
+            <a:normAutofit/>
+          </a:bodyPr>
           <a:lstStyle/>
           <a:p>
             <a:r>
-              <a:rPr lang="en-US" altLang="zh-TW" dirty="0" smtClean="0">
+              <a:rPr lang="en-US" altLang="zh-TW" sz="3200" dirty="0" smtClean="0">
                 <a:latin typeface="Times New Roman" panose="02020603050405020304" pitchFamily="18" charset="0"/>
                 <a:ea typeface="標楷體" panose="03000509000000000000" pitchFamily="65" charset="-120"/>
                 <a:cs typeface="Times New Roman" panose="02020603050405020304" pitchFamily="18" charset="0"/>
               </a:rPr>
               <a:t>Cycle Time Comparison</a:t>
             </a:r>
-            <a:endParaRPr lang="zh-TW" altLang="en-US" dirty="0">
+            <a:endParaRPr lang="zh-TW" altLang="en-US" sz="3200" dirty="0">
               <a:latin typeface="Times New Roman" panose="02020603050405020304" pitchFamily="18" charset="0"/>
               <a:ea typeface="標楷體" panose="03000509000000000000" pitchFamily="65" charset="-120"/>
               <a:cs typeface="Times New Roman" panose="02020603050405020304" pitchFamily="18" charset="0"/>
@@ -7733,18 +7691,13 @@
                 <a:ea typeface="標楷體" panose="03000509000000000000" pitchFamily="65" charset="-120"/>
                 <a:cs typeface="Times New Roman" panose="02020603050405020304" pitchFamily="18" charset="0"/>
               </a:rPr>
-              <a:t> 流程二比</a:t>
-            </a:r>
-            <a:r>
-              <a:rPr lang="zh-TW" altLang="en-US" sz="1800" dirty="0" smtClean="0">
-                <a:latin typeface="Times New Roman" panose="02020603050405020304" pitchFamily="18" charset="0"/>
-                <a:ea typeface="標楷體" panose="03000509000000000000" pitchFamily="65" charset="-120"/>
-                <a:cs typeface="Times New Roman" panose="02020603050405020304" pitchFamily="18" charset="0"/>
-              </a:rPr>
-              <a:t>流程一減少</a:t>
-            </a:r>
-            <a:r>
-              <a:rPr lang="en-US" altLang="zh-TW" sz="1800" dirty="0" smtClean="0">
+              <a:t> 流程二比流程一減少</a:t>
+            </a:r>
+            <a:r>
+              <a:rPr lang="en-US" altLang="zh-TW" sz="1800" b="1" dirty="0" smtClean="0">
+                <a:solidFill>
+                  <a:srgbClr val="FF0000"/>
+                </a:solidFill>
                 <a:latin typeface="Times New Roman" panose="02020603050405020304" pitchFamily="18" charset="0"/>
                 <a:ea typeface="標楷體" panose="03000509000000000000" pitchFamily="65" charset="-120"/>
                 <a:cs typeface="Times New Roman" panose="02020603050405020304" pitchFamily="18" charset="0"/>
@@ -7752,7 +7705,10 @@
               <a:t>2.46</a:t>
             </a:r>
             <a:r>
-              <a:rPr lang="zh-TW" altLang="en-US" sz="1800" dirty="0" smtClean="0">
+              <a:rPr lang="zh-TW" altLang="en-US" sz="1800" b="1" dirty="0" smtClean="0">
+                <a:solidFill>
+                  <a:srgbClr val="FF0000"/>
+                </a:solidFill>
                 <a:latin typeface="Times New Roman" panose="02020603050405020304" pitchFamily="18" charset="0"/>
                 <a:ea typeface="標楷體" panose="03000509000000000000" pitchFamily="65" charset="-120"/>
                 <a:cs typeface="Times New Roman" panose="02020603050405020304" pitchFamily="18" charset="0"/>
@@ -7760,7 +7716,10 @@
               <a:t>秒</a:t>
             </a:r>
             <a:r>
-              <a:rPr lang="en-US" altLang="zh-TW" sz="1800" dirty="0" smtClean="0">
+              <a:rPr lang="en-US" altLang="zh-TW" sz="1800" b="1" dirty="0" smtClean="0">
+                <a:solidFill>
+                  <a:srgbClr val="FF0000"/>
+                </a:solidFill>
                 <a:latin typeface="Times New Roman" panose="02020603050405020304" pitchFamily="18" charset="0"/>
                 <a:ea typeface="標楷體" panose="03000509000000000000" pitchFamily="65" charset="-120"/>
                 <a:cs typeface="Times New Roman" panose="02020603050405020304" pitchFamily="18" charset="0"/>
@@ -8229,15 +8188,7 @@
                           <a:ea typeface="標楷體" panose="03000509000000000000" pitchFamily="65" charset="-120"/>
                           <a:cs typeface="Times New Roman" panose="02020603050405020304" pitchFamily="18" charset="0"/>
                         </a:rPr>
-                        <a:t> </a:t>
-                      </a:r>
-                      <a:r>
-                        <a:rPr lang="zh-TW" altLang="en-US" sz="1800" dirty="0" smtClean="0">
-                          <a:latin typeface="Times New Roman" panose="02020603050405020304" pitchFamily="18" charset="0"/>
-                          <a:ea typeface="標楷體" panose="03000509000000000000" pitchFamily="65" charset="-120"/>
-                          <a:cs typeface="Times New Roman" panose="02020603050405020304" pitchFamily="18" charset="0"/>
-                        </a:rPr>
-                        <a:t>流程一</a:t>
+                        <a:t> 流程一</a:t>
                       </a:r>
                       <a:endParaRPr lang="zh-TW" altLang="en-US" sz="1800" dirty="0">
                         <a:latin typeface="Times New Roman" panose="02020603050405020304" pitchFamily="18" charset="0"/>
@@ -8438,15 +8389,7 @@
                           <a:ea typeface="標楷體" panose="03000509000000000000" pitchFamily="65" charset="-120"/>
                           <a:cs typeface="Times New Roman" panose="02020603050405020304" pitchFamily="18" charset="0"/>
                         </a:rPr>
-                        <a:t> </a:t>
-                      </a:r>
-                      <a:r>
-                        <a:rPr lang="zh-TW" altLang="en-US" sz="1800" dirty="0" smtClean="0">
-                          <a:latin typeface="Times New Roman" panose="02020603050405020304" pitchFamily="18" charset="0"/>
-                          <a:ea typeface="標楷體" panose="03000509000000000000" pitchFamily="65" charset="-120"/>
-                          <a:cs typeface="Times New Roman" panose="02020603050405020304" pitchFamily="18" charset="0"/>
-                        </a:rPr>
-                        <a:t>流程二</a:t>
+                        <a:t> 流程二</a:t>
                       </a:r>
                       <a:endParaRPr lang="zh-TW" altLang="en-US" sz="1800" dirty="0">
                         <a:latin typeface="Times New Roman" panose="02020603050405020304" pitchFamily="18" charset="0"/>
@@ -9651,14 +9594,7 @@
                 <a:latin typeface="Times New Roman" panose="02020603050405020304" pitchFamily="18" charset="0"/>
                 <a:cs typeface="Times New Roman" panose="02020603050405020304" pitchFamily="18" charset="0"/>
               </a:rPr>
-              <a:t>CPU: i7-13800H 6*P-cores+8*E-cores; GPU: RTX 4080 12GB Laptop; RAM: </a:t>
-            </a:r>
-            <a:r>
-              <a:rPr lang="en-US" altLang="zh-TW" sz="1600" dirty="0" smtClean="0">
-                <a:latin typeface="Times New Roman" panose="02020603050405020304" pitchFamily="18" charset="0"/>
-                <a:cs typeface="Times New Roman" panose="02020603050405020304" pitchFamily="18" charset="0"/>
-              </a:rPr>
-              <a:t>64GB</a:t>
+              <a:t>CPU: i7-13800H 6*P-cores+8*E-cores; GPU: RTX 4080 12GB Laptop; RAM: 64GB</a:t>
             </a:r>
             <a:r>
               <a:rPr lang="zh-TW" altLang="en-US" sz="1600" dirty="0">
